--- a/PROF/Céline - Latex/4eme/maths et métiers/Sondage parents d élèves/4eme - Analyse du sondage fait par les élèves de 4eme - 2021.2022.pptx
+++ b/PROF/Céline - Latex/4eme/maths et métiers/Sondage parents d élèves/4eme - Analyse du sondage fait par les élèves de 4eme - 2021.2022.pptx
@@ -114,11 +114,27 @@
       </a:defRPr>
     </a:lvl9pPr>
   </p:defaultTextStyle>
+  <p:extLst>
+    <p:ext uri="{EFAFB233-063F-42B5-8137-9DF3F51BA10A}">
+      <p15:sldGuideLst xmlns:p15="http://schemas.microsoft.com/office/powerpoint/2012/main">
+        <p15:guide id="1" orient="horz" pos="2160">
+          <p15:clr>
+            <a:srgbClr val="A4A3A4"/>
+          </p15:clr>
+        </p15:guide>
+        <p15:guide id="2" pos="2880">
+          <p15:clr>
+            <a:srgbClr val="A4A3A4"/>
+          </p15:clr>
+        </p15:guide>
+      </p15:sldGuideLst>
+    </p:ext>
+  </p:extLst>
 </p:presentation>
 </file>
 
 <file path=ppt/charts/chart1.xml><?xml version="1.0" encoding="utf-8"?>
-<c:chartSpace xmlns:c="http://schemas.openxmlformats.org/drawingml/2006/chart" xmlns:a="http://schemas.openxmlformats.org/drawingml/2006/main" xmlns:r="http://schemas.openxmlformats.org/officeDocument/2006/relationships">
+<c:chartSpace xmlns:c="http://schemas.openxmlformats.org/drawingml/2006/chart" xmlns:a="http://schemas.openxmlformats.org/drawingml/2006/main" xmlns:r="http://schemas.openxmlformats.org/officeDocument/2006/relationships" xmlns:c16r2="http://schemas.microsoft.com/office/drawing/2015/06/chart">
   <c:date1904 val="0"/>
   <c:lang val="fr-FR"/>
   <c:roundedCorners val="0"/>
@@ -237,6 +253,11 @@
               </c:numCache>
             </c:numRef>
           </c:val>
+          <c:extLst>
+            <c:ext xmlns:c16="http://schemas.microsoft.com/office/drawing/2014/chart" uri="{C3380CC4-5D6E-409C-BE32-E72D297353CC}">
+              <c16:uniqueId val="{00000000-FBE5-43F6-8ECE-2D623B93F84B}"/>
+            </c:ext>
+          </c:extLst>
         </c:ser>
         <c:dLbls>
           <c:showLegendKey val="0"/>
@@ -257,6 +278,7 @@
         </c:scaling>
         <c:delete val="0"/>
         <c:axPos val="b"/>
+        <c:numFmt formatCode="General" sourceLinked="0"/>
         <c:majorTickMark val="out"/>
         <c:minorTickMark val="none"/>
         <c:tickLblPos val="nextTo"/>
@@ -300,7 +322,7 @@
 </file>
 
 <file path=ppt/charts/chart2.xml><?xml version="1.0" encoding="utf-8"?>
-<c:chartSpace xmlns:c="http://schemas.openxmlformats.org/drawingml/2006/chart" xmlns:a="http://schemas.openxmlformats.org/drawingml/2006/main" xmlns:r="http://schemas.openxmlformats.org/officeDocument/2006/relationships">
+<c:chartSpace xmlns:c="http://schemas.openxmlformats.org/drawingml/2006/chart" xmlns:a="http://schemas.openxmlformats.org/drawingml/2006/main" xmlns:r="http://schemas.openxmlformats.org/officeDocument/2006/relationships" xmlns:c16r2="http://schemas.microsoft.com/office/drawing/2015/06/chart">
   <c:date1904 val="0"/>
   <c:lang val="fr-FR"/>
   <c:roundedCorners val="0"/>
@@ -360,6 +382,14 @@
               <c:showSerName val="0"/>
               <c:showPercent val="0"/>
               <c:showBubbleSize val="0"/>
+              <c:extLst>
+                <c:ext xmlns:c15="http://schemas.microsoft.com/office/drawing/2012/chart" uri="{CE6537A1-D6FC-4f65-9D91-7224C49458BB}">
+                  <c15:layout/>
+                </c:ext>
+                <c:ext xmlns:c16="http://schemas.microsoft.com/office/drawing/2014/chart" uri="{C3380CC4-5D6E-409C-BE32-E72D297353CC}">
+                  <c16:uniqueId val="{00000000-A1B3-4F6B-BE37-187F37C11258}"/>
+                </c:ext>
+              </c:extLst>
             </c:dLbl>
             <c:dLbl>
               <c:idx val="1"/>
@@ -392,7 +422,22 @@
               <c:showSerName val="0"/>
               <c:showPercent val="0"/>
               <c:showBubbleSize val="0"/>
+              <c:extLst>
+                <c:ext xmlns:c15="http://schemas.microsoft.com/office/drawing/2012/chart" uri="{CE6537A1-D6FC-4f65-9D91-7224C49458BB}">
+                  <c15:layout/>
+                </c:ext>
+                <c:ext xmlns:c16="http://schemas.microsoft.com/office/drawing/2014/chart" uri="{C3380CC4-5D6E-409C-BE32-E72D297353CC}">
+                  <c16:uniqueId val="{00000001-A1B3-4F6B-BE37-187F37C11258}"/>
+                </c:ext>
+              </c:extLst>
             </c:dLbl>
+            <c:spPr>
+              <a:noFill/>
+              <a:ln>
+                <a:noFill/>
+              </a:ln>
+              <a:effectLst/>
+            </c:spPr>
             <c:txPr>
               <a:bodyPr/>
               <a:lstStyle/>
@@ -410,6 +455,9 @@
             <c:showPercent val="0"/>
             <c:showBubbleSize val="0"/>
             <c:showLeaderLines val="1"/>
+            <c:extLst>
+              <c:ext xmlns:c15="http://schemas.microsoft.com/office/drawing/2012/chart" uri="{CE6537A1-D6FC-4f65-9D91-7224C49458BB}"/>
+            </c:extLst>
           </c:dLbls>
           <c:cat>
             <c:strRef>
@@ -440,6 +488,11 @@
               </c:numCache>
             </c:numRef>
           </c:val>
+          <c:extLst>
+            <c:ext xmlns:c16="http://schemas.microsoft.com/office/drawing/2014/chart" uri="{C3380CC4-5D6E-409C-BE32-E72D297353CC}">
+              <c16:uniqueId val="{00000002-A1B3-4F6B-BE37-187F37C11258}"/>
+            </c:ext>
+          </c:extLst>
         </c:ser>
         <c:dLbls>
           <c:showLegendKey val="0"/>
@@ -489,7 +542,7 @@
 </file>
 
 <file path=ppt/charts/chart3.xml><?xml version="1.0" encoding="utf-8"?>
-<c:chartSpace xmlns:c="http://schemas.openxmlformats.org/drawingml/2006/chart" xmlns:a="http://schemas.openxmlformats.org/drawingml/2006/main" xmlns:r="http://schemas.openxmlformats.org/officeDocument/2006/relationships">
+<c:chartSpace xmlns:c="http://schemas.openxmlformats.org/drawingml/2006/chart" xmlns:a="http://schemas.openxmlformats.org/drawingml/2006/main" xmlns:r="http://schemas.openxmlformats.org/officeDocument/2006/relationships" xmlns:c16r2="http://schemas.microsoft.com/office/drawing/2015/06/chart">
   <c:date1904 val="0"/>
   <c:lang val="fr-FR"/>
   <c:roundedCorners val="0"/>
@@ -549,6 +602,14 @@
               <c:showSerName val="0"/>
               <c:showPercent val="0"/>
               <c:showBubbleSize val="0"/>
+              <c:extLst>
+                <c:ext xmlns:c15="http://schemas.microsoft.com/office/drawing/2012/chart" uri="{CE6537A1-D6FC-4f65-9D91-7224C49458BB}">
+                  <c15:layout/>
+                </c:ext>
+                <c:ext xmlns:c16="http://schemas.microsoft.com/office/drawing/2014/chart" uri="{C3380CC4-5D6E-409C-BE32-E72D297353CC}">
+                  <c16:uniqueId val="{00000000-764A-4D6F-8AFA-BC4BDAAE05B9}"/>
+                </c:ext>
+              </c:extLst>
             </c:dLbl>
             <c:dLbl>
               <c:idx val="1"/>
@@ -577,11 +638,32 @@
               <c:showSerName val="0"/>
               <c:showPercent val="0"/>
               <c:showBubbleSize val="0"/>
+              <c:extLst>
+                <c:ext xmlns:c15="http://schemas.microsoft.com/office/drawing/2012/chart" uri="{CE6537A1-D6FC-4f65-9D91-7224C49458BB}">
+                  <c15:layout/>
+                </c:ext>
+                <c:ext xmlns:c16="http://schemas.microsoft.com/office/drawing/2014/chart" uri="{C3380CC4-5D6E-409C-BE32-E72D297353CC}">
+                  <c16:uniqueId val="{00000001-764A-4D6F-8AFA-BC4BDAAE05B9}"/>
+                </c:ext>
+              </c:extLst>
             </c:dLbl>
             <c:dLbl>
               <c:idx val="2"/>
               <c:delete val="1"/>
+              <c:extLst>
+                <c:ext xmlns:c15="http://schemas.microsoft.com/office/drawing/2012/chart" uri="{CE6537A1-D6FC-4f65-9D91-7224C49458BB}"/>
+                <c:ext xmlns:c16="http://schemas.microsoft.com/office/drawing/2014/chart" uri="{C3380CC4-5D6E-409C-BE32-E72D297353CC}">
+                  <c16:uniqueId val="{00000002-764A-4D6F-8AFA-BC4BDAAE05B9}"/>
+                </c:ext>
+              </c:extLst>
             </c:dLbl>
+            <c:spPr>
+              <a:noFill/>
+              <a:ln>
+                <a:noFill/>
+              </a:ln>
+              <a:effectLst/>
+            </c:spPr>
             <c:txPr>
               <a:bodyPr/>
               <a:lstStyle/>
@@ -599,6 +681,9 @@
             <c:showPercent val="0"/>
             <c:showBubbleSize val="0"/>
             <c:showLeaderLines val="1"/>
+            <c:extLst>
+              <c:ext xmlns:c15="http://schemas.microsoft.com/office/drawing/2012/chart" uri="{CE6537A1-D6FC-4f65-9D91-7224C49458BB}"/>
+            </c:extLst>
           </c:dLbls>
           <c:cat>
             <c:strRef>
@@ -635,6 +720,11 @@
               </c:numCache>
             </c:numRef>
           </c:val>
+          <c:extLst>
+            <c:ext xmlns:c16="http://schemas.microsoft.com/office/drawing/2014/chart" uri="{C3380CC4-5D6E-409C-BE32-E72D297353CC}">
+              <c16:uniqueId val="{00000003-764A-4D6F-8AFA-BC4BDAAE05B9}"/>
+            </c:ext>
+          </c:extLst>
         </c:ser>
         <c:dLbls>
           <c:showLegendKey val="0"/>
@@ -684,7 +774,7 @@
 </file>
 
 <file path=ppt/charts/chart4.xml><?xml version="1.0" encoding="utf-8"?>
-<c:chartSpace xmlns:c="http://schemas.openxmlformats.org/drawingml/2006/chart" xmlns:a="http://schemas.openxmlformats.org/drawingml/2006/main" xmlns:r="http://schemas.openxmlformats.org/officeDocument/2006/relationships">
+<c:chartSpace xmlns:c="http://schemas.openxmlformats.org/drawingml/2006/chart" xmlns:a="http://schemas.openxmlformats.org/drawingml/2006/main" xmlns:r="http://schemas.openxmlformats.org/officeDocument/2006/relationships" xmlns:c16r2="http://schemas.microsoft.com/office/drawing/2015/06/chart">
   <c:date1904 val="0"/>
   <c:lang val="fr-FR"/>
   <c:roundedCorners val="0"/>
@@ -744,11 +834,32 @@
               <c:showSerName val="0"/>
               <c:showPercent val="0"/>
               <c:showBubbleSize val="0"/>
+              <c:extLst>
+                <c:ext xmlns:c15="http://schemas.microsoft.com/office/drawing/2012/chart" uri="{CE6537A1-D6FC-4f65-9D91-7224C49458BB}">
+                  <c15:layout/>
+                </c:ext>
+                <c:ext xmlns:c16="http://schemas.microsoft.com/office/drawing/2014/chart" uri="{C3380CC4-5D6E-409C-BE32-E72D297353CC}">
+                  <c16:uniqueId val="{00000000-15AC-4841-BB12-A396DA1E97CE}"/>
+                </c:ext>
+              </c:extLst>
             </c:dLbl>
             <c:dLbl>
               <c:idx val="1"/>
               <c:delete val="1"/>
+              <c:extLst>
+                <c:ext xmlns:c15="http://schemas.microsoft.com/office/drawing/2012/chart" uri="{CE6537A1-D6FC-4f65-9D91-7224C49458BB}"/>
+                <c:ext xmlns:c16="http://schemas.microsoft.com/office/drawing/2014/chart" uri="{C3380CC4-5D6E-409C-BE32-E72D297353CC}">
+                  <c16:uniqueId val="{00000001-15AC-4841-BB12-A396DA1E97CE}"/>
+                </c:ext>
+              </c:extLst>
             </c:dLbl>
+            <c:spPr>
+              <a:noFill/>
+              <a:ln>
+                <a:noFill/>
+              </a:ln>
+              <a:effectLst/>
+            </c:spPr>
             <c:showLegendKey val="0"/>
             <c:showVal val="1"/>
             <c:showCatName val="0"/>
@@ -756,6 +867,9 @@
             <c:showPercent val="0"/>
             <c:showBubbleSize val="0"/>
             <c:showLeaderLines val="1"/>
+            <c:extLst>
+              <c:ext xmlns:c15="http://schemas.microsoft.com/office/drawing/2012/chart" uri="{CE6537A1-D6FC-4f65-9D91-7224C49458BB}"/>
+            </c:extLst>
           </c:dLbls>
           <c:cat>
             <c:strRef>
@@ -786,6 +900,11 @@
               </c:numCache>
             </c:numRef>
           </c:val>
+          <c:extLst>
+            <c:ext xmlns:c16="http://schemas.microsoft.com/office/drawing/2014/chart" uri="{C3380CC4-5D6E-409C-BE32-E72D297353CC}">
+              <c16:uniqueId val="{00000002-15AC-4841-BB12-A396DA1E97CE}"/>
+            </c:ext>
+          </c:extLst>
         </c:ser>
         <c:dLbls>
           <c:showLegendKey val="0"/>
@@ -825,7 +944,7 @@
 </file>
 
 <file path=ppt/charts/chart5.xml><?xml version="1.0" encoding="utf-8"?>
-<c:chartSpace xmlns:c="http://schemas.openxmlformats.org/drawingml/2006/chart" xmlns:a="http://schemas.openxmlformats.org/drawingml/2006/main" xmlns:r="http://schemas.openxmlformats.org/officeDocument/2006/relationships">
+<c:chartSpace xmlns:c="http://schemas.openxmlformats.org/drawingml/2006/chart" xmlns:a="http://schemas.openxmlformats.org/drawingml/2006/main" xmlns:r="http://schemas.openxmlformats.org/officeDocument/2006/relationships" xmlns:c16r2="http://schemas.microsoft.com/office/drawing/2015/06/chart">
   <c:date1904 val="0"/>
   <c:lang val="fr-FR"/>
   <c:roundedCorners val="0"/>
@@ -912,10 +1031,24 @@
               <c:showSerName val="0"/>
               <c:showPercent val="0"/>
               <c:showBubbleSize val="0"/>
+              <c:extLst>
+                <c:ext xmlns:c15="http://schemas.microsoft.com/office/drawing/2012/chart" uri="{CE6537A1-D6FC-4f65-9D91-7224C49458BB}">
+                  <c15:layout/>
+                </c:ext>
+                <c:ext xmlns:c16="http://schemas.microsoft.com/office/drawing/2014/chart" uri="{C3380CC4-5D6E-409C-BE32-E72D297353CC}">
+                  <c16:uniqueId val="{00000000-0C64-4D8A-8A9E-3548471ED099}"/>
+                </c:ext>
+              </c:extLst>
             </c:dLbl>
             <c:dLbl>
               <c:idx val="1"/>
               <c:delete val="1"/>
+              <c:extLst>
+                <c:ext xmlns:c15="http://schemas.microsoft.com/office/drawing/2012/chart" uri="{CE6537A1-D6FC-4f65-9D91-7224C49458BB}"/>
+                <c:ext xmlns:c16="http://schemas.microsoft.com/office/drawing/2014/chart" uri="{C3380CC4-5D6E-409C-BE32-E72D297353CC}">
+                  <c16:uniqueId val="{00000001-0C64-4D8A-8A9E-3548471ED099}"/>
+                </c:ext>
+              </c:extLst>
             </c:dLbl>
             <c:dLbl>
               <c:idx val="2"/>
@@ -932,7 +1065,7 @@
                   <a:p>
                     <a:r>
                       <a:rPr lang="en-US" sz="2800" b="1" dirty="0" smtClean="0"/>
-                      <a:t>6%</a:t>
+                      <a:t>15%</a:t>
                     </a:r>
                     <a:endParaRPr lang="en-US" sz="2800" b="1" dirty="0"/>
                   </a:p>
@@ -944,7 +1077,22 @@
               <c:showSerName val="0"/>
               <c:showPercent val="0"/>
               <c:showBubbleSize val="0"/>
+              <c:extLst>
+                <c:ext xmlns:c15="http://schemas.microsoft.com/office/drawing/2012/chart" uri="{CE6537A1-D6FC-4f65-9D91-7224C49458BB}">
+                  <c15:layout/>
+                </c:ext>
+                <c:ext xmlns:c16="http://schemas.microsoft.com/office/drawing/2014/chart" uri="{C3380CC4-5D6E-409C-BE32-E72D297353CC}">
+                  <c16:uniqueId val="{00000002-0C64-4D8A-8A9E-3548471ED099}"/>
+                </c:ext>
+              </c:extLst>
             </c:dLbl>
+            <c:spPr>
+              <a:noFill/>
+              <a:ln>
+                <a:noFill/>
+              </a:ln>
+              <a:effectLst/>
+            </c:spPr>
             <c:showLegendKey val="0"/>
             <c:showVal val="1"/>
             <c:showCatName val="0"/>
@@ -952,6 +1100,9 @@
             <c:showPercent val="0"/>
             <c:showBubbleSize val="0"/>
             <c:showLeaderLines val="1"/>
+            <c:extLst>
+              <c:ext xmlns:c15="http://schemas.microsoft.com/office/drawing/2012/chart" uri="{CE6537A1-D6FC-4f65-9D91-7224C49458BB}"/>
+            </c:extLst>
           </c:dLbls>
           <c:cat>
             <c:strRef>
@@ -988,6 +1139,11 @@
               </c:numCache>
             </c:numRef>
           </c:val>
+          <c:extLst>
+            <c:ext xmlns:c16="http://schemas.microsoft.com/office/drawing/2014/chart" uri="{C3380CC4-5D6E-409C-BE32-E72D297353CC}">
+              <c16:uniqueId val="{00000003-0C64-4D8A-8A9E-3548471ED099}"/>
+            </c:ext>
+          </c:extLst>
         </c:ser>
         <c:dLbls>
           <c:showLegendKey val="0"/>
@@ -1036,7 +1192,7 @@
 </file>
 
 <file path=ppt/charts/chart6.xml><?xml version="1.0" encoding="utf-8"?>
-<c:chartSpace xmlns:c="http://schemas.openxmlformats.org/drawingml/2006/chart" xmlns:a="http://schemas.openxmlformats.org/drawingml/2006/main" xmlns:r="http://schemas.openxmlformats.org/officeDocument/2006/relationships">
+<c:chartSpace xmlns:c="http://schemas.openxmlformats.org/drawingml/2006/chart" xmlns:a="http://schemas.openxmlformats.org/drawingml/2006/main" xmlns:r="http://schemas.openxmlformats.org/officeDocument/2006/relationships" xmlns:c16r2="http://schemas.microsoft.com/office/drawing/2015/06/chart">
   <c:date1904 val="0"/>
   <c:lang val="fr-FR"/>
   <c:roundedCorners val="0"/>
@@ -1109,6 +1265,12 @@
             <c:dLbl>
               <c:idx val="0"/>
               <c:delete val="1"/>
+              <c:extLst>
+                <c:ext xmlns:c15="http://schemas.microsoft.com/office/drawing/2012/chart" uri="{CE6537A1-D6FC-4f65-9D91-7224C49458BB}"/>
+                <c:ext xmlns:c16="http://schemas.microsoft.com/office/drawing/2014/chart" uri="{C3380CC4-5D6E-409C-BE32-E72D297353CC}">
+                  <c16:uniqueId val="{00000000-C958-4562-BA27-BC0F09FB9A78}"/>
+                </c:ext>
+              </c:extLst>
             </c:dLbl>
             <c:dLbl>
               <c:idx val="1"/>
@@ -1137,7 +1299,20 @@
               <c:showSerName val="0"/>
               <c:showPercent val="0"/>
               <c:showBubbleSize val="0"/>
+              <c:extLst>
+                <c:ext xmlns:c15="http://schemas.microsoft.com/office/drawing/2012/chart" uri="{CE6537A1-D6FC-4f65-9D91-7224C49458BB}"/>
+                <c:ext xmlns:c16="http://schemas.microsoft.com/office/drawing/2014/chart" uri="{C3380CC4-5D6E-409C-BE32-E72D297353CC}">
+                  <c16:uniqueId val="{00000001-C958-4562-BA27-BC0F09FB9A78}"/>
+                </c:ext>
+              </c:extLst>
             </c:dLbl>
+            <c:spPr>
+              <a:noFill/>
+              <a:ln>
+                <a:noFill/>
+              </a:ln>
+              <a:effectLst/>
+            </c:spPr>
             <c:showLegendKey val="0"/>
             <c:showVal val="1"/>
             <c:showCatName val="0"/>
@@ -1145,6 +1320,9 @@
             <c:showPercent val="0"/>
             <c:showBubbleSize val="0"/>
             <c:showLeaderLines val="1"/>
+            <c:extLst>
+              <c:ext xmlns:c15="http://schemas.microsoft.com/office/drawing/2012/chart" uri="{CE6537A1-D6FC-4f65-9D91-7224C49458BB}"/>
+            </c:extLst>
           </c:dLbls>
           <c:cat>
             <c:strRef>
@@ -1175,6 +1353,11 @@
               </c:numCache>
             </c:numRef>
           </c:val>
+          <c:extLst>
+            <c:ext xmlns:c16="http://schemas.microsoft.com/office/drawing/2014/chart" uri="{C3380CC4-5D6E-409C-BE32-E72D297353CC}">
+              <c16:uniqueId val="{00000002-C958-4562-BA27-BC0F09FB9A78}"/>
+            </c:ext>
+          </c:extLst>
         </c:ser>
         <c:dLbls>
           <c:showLegendKey val="0"/>
@@ -1190,7 +1373,6 @@
     </c:plotArea>
     <c:legend>
       <c:legendPos val="r"/>
-      <c:layout/>
       <c:overlay val="0"/>
       <c:txPr>
         <a:bodyPr/>
@@ -1234,7 +1416,7 @@
 </file>
 
 <file path=ppt/charts/chart7.xml><?xml version="1.0" encoding="utf-8"?>
-<c:chartSpace xmlns:c="http://schemas.openxmlformats.org/drawingml/2006/chart" xmlns:a="http://schemas.openxmlformats.org/drawingml/2006/main" xmlns:r="http://schemas.openxmlformats.org/officeDocument/2006/relationships">
+<c:chartSpace xmlns:c="http://schemas.openxmlformats.org/drawingml/2006/chart" xmlns:a="http://schemas.openxmlformats.org/drawingml/2006/main" xmlns:r="http://schemas.openxmlformats.org/officeDocument/2006/relationships" xmlns:c16r2="http://schemas.microsoft.com/office/drawing/2015/06/chart">
   <c:date1904 val="0"/>
   <c:lang val="fr-FR"/>
   <c:roundedCorners val="0"/>
@@ -1352,6 +1534,11 @@
               </c:numCache>
             </c:numRef>
           </c:val>
+          <c:extLst>
+            <c:ext xmlns:c16="http://schemas.microsoft.com/office/drawing/2014/chart" uri="{C3380CC4-5D6E-409C-BE32-E72D297353CC}">
+              <c16:uniqueId val="{00000000-7CDD-4E00-A314-F7C0A848A9CB}"/>
+            </c:ext>
+          </c:extLst>
         </c:ser>
         <c:dLbls>
           <c:showLegendKey val="0"/>
@@ -1372,6 +1559,7 @@
         </c:scaling>
         <c:delete val="0"/>
         <c:axPos val="b"/>
+        <c:numFmt formatCode="General" sourceLinked="0"/>
         <c:majorTickMark val="out"/>
         <c:minorTickMark val="none"/>
         <c:tickLblPos val="nextTo"/>
@@ -1547,13 +1735,11 @@
         <p:spPr/>
         <p:txBody>
           <a:bodyPr/>
-          <a:lstStyle>
-            <a:extLst/>
-          </a:lstStyle>
+          <a:lstStyle/>
           <a:p>
             <a:fld id="{7BEE39CE-4C6E-4956-A680-319985C82E91}" type="datetimeFigureOut">
               <a:rPr lang="fr-FR" smtClean="0"/>
-              <a:t>24/07/2022</a:t>
+              <a:t>15/09/2022</a:t>
             </a:fld>
             <a:endParaRPr lang="fr-FR"/>
           </a:p>
@@ -1572,9 +1758,7 @@
         <p:spPr/>
         <p:txBody>
           <a:bodyPr/>
-          <a:lstStyle>
-            <a:extLst/>
-          </a:lstStyle>
+          <a:lstStyle/>
           <a:p>
             <a:endParaRPr lang="fr-FR"/>
           </a:p>
@@ -1593,9 +1777,7 @@
         <p:spPr/>
         <p:txBody>
           <a:bodyPr/>
-          <a:lstStyle>
-            <a:extLst/>
-          </a:lstStyle>
+          <a:lstStyle/>
           <a:p>
             <a:fld id="{08ECFDBE-6587-4F76-AF40-DF18424EFCF4}" type="slidenum">
               <a:rPr lang="fr-FR" smtClean="0"/>
@@ -1683,9 +1865,7 @@
         </p:style>
         <p:txBody>
           <a:bodyPr anchor="ctr"/>
-          <a:lstStyle>
-            <a:extLst/>
-          </a:lstStyle>
+          <a:lstStyle/>
           <a:p>
             <a:pPr algn="ctr" eaLnBrk="1" latinLnBrk="0" hangingPunct="1"/>
             <a:endParaRPr kumimoji="0" lang="en-US"/>
@@ -1734,9 +1914,7 @@
         </p:style>
         <p:txBody>
           <a:bodyPr anchor="ctr"/>
-          <a:lstStyle>
-            <a:extLst/>
-          </a:lstStyle>
+          <a:lstStyle/>
           <a:p>
             <a:pPr algn="ctr" eaLnBrk="1" latinLnBrk="0" hangingPunct="1"/>
             <a:endParaRPr kumimoji="0" lang="en-US"/>
@@ -1781,9 +1959,7 @@
         <p:spPr/>
         <p:txBody>
           <a:bodyPr/>
-          <a:lstStyle>
-            <a:extLst/>
-          </a:lstStyle>
+          <a:lstStyle/>
           <a:p>
             <a:r>
               <a:rPr kumimoji="0" lang="fr-FR" smtClean="0"/>
@@ -1806,9 +1982,7 @@
         <p:spPr/>
         <p:txBody>
           <a:bodyPr vert="eaVert"/>
-          <a:lstStyle>
-            <a:extLst/>
-          </a:lstStyle>
+          <a:lstStyle/>
           <a:p>
             <a:pPr lvl="0" eaLnBrk="1" latinLnBrk="0" hangingPunct="1"/>
             <a:r>
@@ -1860,13 +2034,11 @@
         <p:spPr/>
         <p:txBody>
           <a:bodyPr/>
-          <a:lstStyle>
-            <a:extLst/>
-          </a:lstStyle>
+          <a:lstStyle/>
           <a:p>
             <a:fld id="{7BEE39CE-4C6E-4956-A680-319985C82E91}" type="datetimeFigureOut">
               <a:rPr lang="fr-FR" smtClean="0"/>
-              <a:t>24/07/2022</a:t>
+              <a:t>15/09/2022</a:t>
             </a:fld>
             <a:endParaRPr lang="fr-FR"/>
           </a:p>
@@ -1885,9 +2057,7 @@
         <p:spPr/>
         <p:txBody>
           <a:bodyPr/>
-          <a:lstStyle>
-            <a:extLst/>
-          </a:lstStyle>
+          <a:lstStyle/>
           <a:p>
             <a:endParaRPr lang="fr-FR"/>
           </a:p>
@@ -1906,9 +2076,7 @@
         <p:spPr/>
         <p:txBody>
           <a:bodyPr/>
-          <a:lstStyle>
-            <a:extLst/>
-          </a:lstStyle>
+          <a:lstStyle/>
           <a:p>
             <a:fld id="{08ECFDBE-6587-4F76-AF40-DF18424EFCF4}" type="slidenum">
               <a:rPr lang="fr-FR" smtClean="0"/>
@@ -1961,9 +2129,7 @@
         </p:spPr>
         <p:txBody>
           <a:bodyPr vert="eaVert"/>
-          <a:lstStyle>
-            <a:extLst/>
-          </a:lstStyle>
+          <a:lstStyle/>
           <a:p>
             <a:r>
               <a:rPr kumimoji="0" lang="fr-FR" smtClean="0"/>
@@ -1991,9 +2157,7 @@
         </p:spPr>
         <p:txBody>
           <a:bodyPr vert="eaVert"/>
-          <a:lstStyle>
-            <a:extLst/>
-          </a:lstStyle>
+          <a:lstStyle/>
           <a:p>
             <a:pPr lvl="0" eaLnBrk="1" latinLnBrk="0" hangingPunct="1"/>
             <a:r>
@@ -2045,13 +2209,11 @@
         <p:spPr/>
         <p:txBody>
           <a:bodyPr/>
-          <a:lstStyle>
-            <a:extLst/>
-          </a:lstStyle>
+          <a:lstStyle/>
           <a:p>
             <a:fld id="{7BEE39CE-4C6E-4956-A680-319985C82E91}" type="datetimeFigureOut">
               <a:rPr lang="fr-FR" smtClean="0"/>
-              <a:t>24/07/2022</a:t>
+              <a:t>15/09/2022</a:t>
             </a:fld>
             <a:endParaRPr lang="fr-FR"/>
           </a:p>
@@ -2070,9 +2232,7 @@
         <p:spPr/>
         <p:txBody>
           <a:bodyPr/>
-          <a:lstStyle>
-            <a:extLst/>
-          </a:lstStyle>
+          <a:lstStyle/>
           <a:p>
             <a:endParaRPr lang="fr-FR"/>
           </a:p>
@@ -2091,9 +2251,7 @@
         <p:spPr/>
         <p:txBody>
           <a:bodyPr/>
-          <a:lstStyle>
-            <a:extLst/>
-          </a:lstStyle>
+          <a:lstStyle/>
           <a:p>
             <a:fld id="{08ECFDBE-6587-4F76-AF40-DF18424EFCF4}" type="slidenum">
               <a:rPr lang="fr-FR" smtClean="0"/>
@@ -2141,9 +2299,7 @@
         <p:spPr/>
         <p:txBody>
           <a:bodyPr/>
-          <a:lstStyle>
-            <a:extLst/>
-          </a:lstStyle>
+          <a:lstStyle/>
           <a:p>
             <a:r>
               <a:rPr kumimoji="0" lang="fr-FR" smtClean="0"/>
@@ -2166,9 +2322,7 @@
         <p:spPr/>
         <p:txBody>
           <a:bodyPr/>
-          <a:lstStyle>
-            <a:extLst/>
-          </a:lstStyle>
+          <a:lstStyle/>
           <a:p>
             <a:pPr lvl="0" eaLnBrk="1" latinLnBrk="0" hangingPunct="1"/>
             <a:r>
@@ -2220,13 +2374,11 @@
         <p:spPr/>
         <p:txBody>
           <a:bodyPr/>
-          <a:lstStyle>
-            <a:extLst/>
-          </a:lstStyle>
+          <a:lstStyle/>
           <a:p>
             <a:fld id="{7BEE39CE-4C6E-4956-A680-319985C82E91}" type="datetimeFigureOut">
               <a:rPr lang="fr-FR" smtClean="0"/>
-              <a:t>24/07/2022</a:t>
+              <a:t>15/09/2022</a:t>
             </a:fld>
             <a:endParaRPr lang="fr-FR"/>
           </a:p>
@@ -2245,9 +2397,7 @@
         <p:spPr/>
         <p:txBody>
           <a:bodyPr/>
-          <a:lstStyle>
-            <a:extLst/>
-          </a:lstStyle>
+          <a:lstStyle/>
           <a:p>
             <a:endParaRPr lang="fr-FR"/>
           </a:p>
@@ -2266,9 +2416,7 @@
         <p:spPr/>
         <p:txBody>
           <a:bodyPr/>
-          <a:lstStyle>
-            <a:extLst/>
-          </a:lstStyle>
+          <a:lstStyle/>
           <a:p>
             <a:fld id="{08ECFDBE-6587-4F76-AF40-DF18424EFCF4}" type="slidenum">
               <a:rPr lang="fr-FR" smtClean="0"/>
@@ -2342,9 +2490,7 @@
         </p:style>
         <p:txBody>
           <a:bodyPr anchor="ctr"/>
-          <a:lstStyle>
-            <a:extLst/>
-          </a:lstStyle>
+          <a:lstStyle/>
           <a:p>
             <a:pPr algn="ctr" eaLnBrk="1" latinLnBrk="0" hangingPunct="1"/>
             <a:endParaRPr kumimoji="0" lang="en-US"/>
@@ -2488,13 +2634,11 @@
         <p:spPr/>
         <p:txBody>
           <a:bodyPr/>
-          <a:lstStyle>
-            <a:extLst/>
-          </a:lstStyle>
+          <a:lstStyle/>
           <a:p>
             <a:fld id="{7BEE39CE-4C6E-4956-A680-319985C82E91}" type="datetimeFigureOut">
               <a:rPr lang="fr-FR" smtClean="0"/>
-              <a:t>24/07/2022</a:t>
+              <a:t>15/09/2022</a:t>
             </a:fld>
             <a:endParaRPr lang="fr-FR"/>
           </a:p>
@@ -2513,9 +2657,7 @@
         <p:spPr/>
         <p:txBody>
           <a:bodyPr/>
-          <a:lstStyle>
-            <a:extLst/>
-          </a:lstStyle>
+          <a:lstStyle/>
           <a:p>
             <a:endParaRPr lang="fr-FR"/>
           </a:p>
@@ -2534,9 +2676,7 @@
         <p:spPr/>
         <p:txBody>
           <a:bodyPr/>
-          <a:lstStyle>
-            <a:extLst/>
-          </a:lstStyle>
+          <a:lstStyle/>
           <a:p>
             <a:fld id="{08ECFDBE-6587-4F76-AF40-DF18424EFCF4}" type="slidenum">
               <a:rPr lang="fr-FR" smtClean="0"/>
@@ -2593,9 +2733,7 @@
         </p:style>
         <p:txBody>
           <a:bodyPr anchor="ctr"/>
-          <a:lstStyle>
-            <a:extLst/>
-          </a:lstStyle>
+          <a:lstStyle/>
           <a:p>
             <a:pPr algn="ctr" eaLnBrk="1" latinLnBrk="0" hangingPunct="1"/>
             <a:endParaRPr kumimoji="0" lang="en-US"/>
@@ -2680,9 +2818,7 @@
         </p:style>
         <p:txBody>
           <a:bodyPr anchor="ctr"/>
-          <a:lstStyle>
-            <a:extLst/>
-          </a:lstStyle>
+          <a:lstStyle/>
           <a:p>
             <a:pPr algn="ctr" eaLnBrk="1" latinLnBrk="0" hangingPunct="1"/>
             <a:endParaRPr kumimoji="0" lang="en-US"/>
@@ -2731,9 +2867,7 @@
         </p:style>
         <p:txBody>
           <a:bodyPr anchor="ctr"/>
-          <a:lstStyle>
-            <a:extLst/>
-          </a:lstStyle>
+          <a:lstStyle/>
           <a:p>
             <a:pPr algn="ctr" eaLnBrk="1" latinLnBrk="0" hangingPunct="1"/>
             <a:endParaRPr kumimoji="0" lang="en-US"/>
@@ -2783,9 +2917,7 @@
         </p:spPr>
         <p:txBody>
           <a:bodyPr/>
-          <a:lstStyle>
-            <a:extLst/>
-          </a:lstStyle>
+          <a:lstStyle/>
           <a:p>
             <a:r>
               <a:rPr kumimoji="0" lang="fr-FR" smtClean="0"/>
@@ -2956,13 +3088,11 @@
         <p:spPr/>
         <p:txBody>
           <a:bodyPr/>
-          <a:lstStyle>
-            <a:extLst/>
-          </a:lstStyle>
+          <a:lstStyle/>
           <a:p>
             <a:fld id="{7BEE39CE-4C6E-4956-A680-319985C82E91}" type="datetimeFigureOut">
               <a:rPr lang="fr-FR" smtClean="0"/>
-              <a:t>24/07/2022</a:t>
+              <a:t>15/09/2022</a:t>
             </a:fld>
             <a:endParaRPr lang="fr-FR"/>
           </a:p>
@@ -2981,9 +3111,7 @@
         <p:spPr/>
         <p:txBody>
           <a:bodyPr/>
-          <a:lstStyle>
-            <a:extLst/>
-          </a:lstStyle>
+          <a:lstStyle/>
           <a:p>
             <a:endParaRPr lang="fr-FR"/>
           </a:p>
@@ -3002,9 +3130,7 @@
         <p:spPr/>
         <p:txBody>
           <a:bodyPr/>
-          <a:lstStyle>
-            <a:extLst/>
-          </a:lstStyle>
+          <a:lstStyle/>
           <a:p>
             <a:fld id="{08ECFDBE-6587-4F76-AF40-DF18424EFCF4}" type="slidenum">
               <a:rPr lang="fr-FR" smtClean="0"/>
@@ -3445,13 +3571,11 @@
         <p:spPr/>
         <p:txBody>
           <a:bodyPr/>
-          <a:lstStyle>
-            <a:extLst/>
-          </a:lstStyle>
+          <a:lstStyle/>
           <a:p>
             <a:fld id="{7BEE39CE-4C6E-4956-A680-319985C82E91}" type="datetimeFigureOut">
               <a:rPr lang="fr-FR" smtClean="0"/>
-              <a:t>24/07/2022</a:t>
+              <a:t>15/09/2022</a:t>
             </a:fld>
             <a:endParaRPr lang="fr-FR"/>
           </a:p>
@@ -3470,9 +3594,7 @@
         <p:spPr/>
         <p:txBody>
           <a:bodyPr/>
-          <a:lstStyle>
-            <a:extLst/>
-          </a:lstStyle>
+          <a:lstStyle/>
           <a:p>
             <a:endParaRPr lang="fr-FR"/>
           </a:p>
@@ -3491,9 +3613,7 @@
         <p:spPr/>
         <p:txBody>
           <a:bodyPr/>
-          <a:lstStyle>
-            <a:extLst/>
-          </a:lstStyle>
+          <a:lstStyle/>
           <a:p>
             <a:fld id="{08ECFDBE-6587-4F76-AF40-DF18424EFCF4}" type="slidenum">
               <a:rPr lang="fr-FR" smtClean="0"/>
@@ -3546,9 +3666,7 @@
         </p:spPr>
         <p:txBody>
           <a:bodyPr anchor="ctr"/>
-          <a:lstStyle>
-            <a:extLst/>
-          </a:lstStyle>
+          <a:lstStyle/>
           <a:p>
             <a:r>
               <a:rPr kumimoji="0" lang="fr-FR" smtClean="0"/>
@@ -3571,13 +3689,11 @@
         <p:spPr/>
         <p:txBody>
           <a:bodyPr/>
-          <a:lstStyle>
-            <a:extLst/>
-          </a:lstStyle>
+          <a:lstStyle/>
           <a:p>
             <a:fld id="{7BEE39CE-4C6E-4956-A680-319985C82E91}" type="datetimeFigureOut">
               <a:rPr lang="fr-FR" smtClean="0"/>
-              <a:t>24/07/2022</a:t>
+              <a:t>15/09/2022</a:t>
             </a:fld>
             <a:endParaRPr lang="fr-FR"/>
           </a:p>
@@ -3596,9 +3712,7 @@
         <p:spPr/>
         <p:txBody>
           <a:bodyPr/>
-          <a:lstStyle>
-            <a:extLst/>
-          </a:lstStyle>
+          <a:lstStyle/>
           <a:p>
             <a:endParaRPr lang="fr-FR"/>
           </a:p>
@@ -3617,9 +3731,7 @@
         <p:spPr/>
         <p:txBody>
           <a:bodyPr/>
-          <a:lstStyle>
-            <a:extLst/>
-          </a:lstStyle>
+          <a:lstStyle/>
           <a:p>
             <a:fld id="{08ECFDBE-6587-4F76-AF40-DF18424EFCF4}" type="slidenum">
               <a:rPr lang="fr-FR" smtClean="0"/>
@@ -3693,9 +3805,7 @@
         </p:style>
         <p:txBody>
           <a:bodyPr anchor="ctr"/>
-          <a:lstStyle>
-            <a:extLst/>
-          </a:lstStyle>
+          <a:lstStyle/>
           <a:p>
             <a:pPr algn="ctr" eaLnBrk="1" latinLnBrk="0" hangingPunct="1"/>
             <a:endParaRPr kumimoji="0" lang="en-US"/>
@@ -3715,13 +3825,11 @@
         <p:spPr/>
         <p:txBody>
           <a:bodyPr/>
-          <a:lstStyle>
-            <a:extLst/>
-          </a:lstStyle>
+          <a:lstStyle/>
           <a:p>
             <a:fld id="{7BEE39CE-4C6E-4956-A680-319985C82E91}" type="datetimeFigureOut">
               <a:rPr lang="fr-FR" smtClean="0"/>
-              <a:t>24/07/2022</a:t>
+              <a:t>15/09/2022</a:t>
             </a:fld>
             <a:endParaRPr lang="fr-FR"/>
           </a:p>
@@ -3740,9 +3848,7 @@
         <p:spPr/>
         <p:txBody>
           <a:bodyPr/>
-          <a:lstStyle>
-            <a:extLst/>
-          </a:lstStyle>
+          <a:lstStyle/>
           <a:p>
             <a:endParaRPr lang="fr-FR"/>
           </a:p>
@@ -3761,9 +3867,7 @@
         <p:spPr/>
         <p:txBody>
           <a:bodyPr/>
-          <a:lstStyle>
-            <a:extLst/>
-          </a:lstStyle>
+          <a:lstStyle/>
           <a:p>
             <a:fld id="{08ECFDBE-6587-4F76-AF40-DF18424EFCF4}" type="slidenum">
               <a:rPr lang="fr-FR" smtClean="0"/>
@@ -3820,9 +3924,7 @@
         </p:style>
         <p:txBody>
           <a:bodyPr anchor="ctr"/>
-          <a:lstStyle>
-            <a:extLst/>
-          </a:lstStyle>
+          <a:lstStyle/>
           <a:p>
             <a:pPr algn="ctr" eaLnBrk="1" latinLnBrk="0" hangingPunct="1"/>
             <a:endParaRPr kumimoji="0" lang="en-US"/>
@@ -4037,13 +4139,11 @@
         <p:spPr/>
         <p:txBody>
           <a:bodyPr/>
-          <a:lstStyle>
-            <a:extLst/>
-          </a:lstStyle>
+          <a:lstStyle/>
           <a:p>
             <a:fld id="{7BEE39CE-4C6E-4956-A680-319985C82E91}" type="datetimeFigureOut">
               <a:rPr lang="fr-FR" smtClean="0"/>
-              <a:t>24/07/2022</a:t>
+              <a:t>15/09/2022</a:t>
             </a:fld>
             <a:endParaRPr lang="fr-FR"/>
           </a:p>
@@ -4062,9 +4162,7 @@
         <p:spPr/>
         <p:txBody>
           <a:bodyPr/>
-          <a:lstStyle>
-            <a:extLst/>
-          </a:lstStyle>
+          <a:lstStyle/>
           <a:p>
             <a:endParaRPr lang="fr-FR"/>
           </a:p>
@@ -4083,9 +4181,7 @@
         <p:spPr/>
         <p:txBody>
           <a:bodyPr/>
-          <a:lstStyle>
-            <a:extLst/>
-          </a:lstStyle>
+          <a:lstStyle/>
           <a:p>
             <a:fld id="{08ECFDBE-6587-4F76-AF40-DF18424EFCF4}" type="slidenum">
               <a:rPr lang="fr-FR" smtClean="0"/>
@@ -4171,13 +4267,11 @@
         <p:spPr/>
         <p:txBody>
           <a:bodyPr/>
-          <a:lstStyle>
-            <a:extLst/>
-          </a:lstStyle>
+          <a:lstStyle/>
           <a:p>
             <a:fld id="{7BEE39CE-4C6E-4956-A680-319985C82E91}" type="datetimeFigureOut">
               <a:rPr lang="fr-FR" smtClean="0"/>
-              <a:t>24/07/2022</a:t>
+              <a:t>15/09/2022</a:t>
             </a:fld>
             <a:endParaRPr lang="fr-FR"/>
           </a:p>
@@ -4196,9 +4290,7 @@
         <p:spPr/>
         <p:txBody>
           <a:bodyPr/>
-          <a:lstStyle>
-            <a:extLst/>
-          </a:lstStyle>
+          <a:lstStyle/>
           <a:p>
             <a:endParaRPr lang="fr-FR"/>
           </a:p>
@@ -4217,9 +4309,7 @@
         <p:spPr/>
         <p:txBody>
           <a:bodyPr/>
-          <a:lstStyle>
-            <a:extLst/>
-          </a:lstStyle>
+          <a:lstStyle/>
           <a:p>
             <a:fld id="{08ECFDBE-6587-4F76-AF40-DF18424EFCF4}" type="slidenum">
               <a:rPr lang="fr-FR" smtClean="0"/>
@@ -4276,9 +4366,7 @@
           <a:bodyPr lIns="91440" tIns="274320" rtlCol="0" anchor="t">
             <a:normAutofit/>
           </a:bodyPr>
-          <a:lstStyle>
-            <a:extLst/>
-          </a:lstStyle>
+          <a:lstStyle/>
           <a:p>
             <a:pPr marL="0" indent="-283464" algn="l" rtl="0" eaLnBrk="1" latinLnBrk="0" hangingPunct="1">
               <a:lnSpc>
@@ -4406,9 +4494,7 @@
         </p:style>
         <p:txBody>
           <a:bodyPr anchor="ctr"/>
-          <a:lstStyle>
-            <a:extLst/>
-          </a:lstStyle>
+          <a:lstStyle/>
           <a:p>
             <a:pPr algn="ctr" eaLnBrk="1" latinLnBrk="0" hangingPunct="1"/>
             <a:endParaRPr kumimoji="0" lang="en-US"/>
@@ -4466,9 +4552,7 @@
         </p:style>
         <p:txBody>
           <a:bodyPr anchor="ctr"/>
-          <a:lstStyle>
-            <a:extLst/>
-          </a:lstStyle>
+          <a:lstStyle/>
           <a:p>
             <a:pPr algn="ctr" eaLnBrk="1" latinLnBrk="0" hangingPunct="1"/>
             <a:endParaRPr kumimoji="0" lang="en-US" dirty="0"/>
@@ -4613,9 +4697,7 @@
         </p:style>
         <p:txBody>
           <a:bodyPr anchor="ctr"/>
-          <a:lstStyle>
-            <a:extLst/>
-          </a:lstStyle>
+          <a:lstStyle/>
           <a:p>
             <a:pPr algn="ctr" eaLnBrk="1" latinLnBrk="0" hangingPunct="1"/>
             <a:endParaRPr kumimoji="0" lang="en-US"/>
@@ -4673,9 +4755,7 @@
         </p:style>
         <p:txBody>
           <a:bodyPr anchor="ctr"/>
-          <a:lstStyle>
-            <a:extLst/>
-          </a:lstStyle>
+          <a:lstStyle/>
           <a:p>
             <a:pPr algn="ctr" eaLnBrk="1" latinLnBrk="0" hangingPunct="1"/>
             <a:endParaRPr kumimoji="0" lang="en-US"/>
@@ -4765,9 +4845,7 @@
         </p:style>
         <p:txBody>
           <a:bodyPr anchor="ctr"/>
-          <a:lstStyle>
-            <a:extLst/>
-          </a:lstStyle>
+          <a:lstStyle/>
           <a:p>
             <a:pPr algn="ctr" eaLnBrk="1" latinLnBrk="0" hangingPunct="1"/>
             <a:endParaRPr kumimoji="0" lang="en-US"/>
@@ -4813,9 +4891,7 @@
         </p:style>
         <p:txBody>
           <a:bodyPr anchor="ctr"/>
-          <a:lstStyle>
-            <a:extLst/>
-          </a:lstStyle>
+          <a:lstStyle/>
           <a:p>
             <a:pPr algn="ctr" eaLnBrk="1" latinLnBrk="0" hangingPunct="1"/>
             <a:endParaRPr kumimoji="0" lang="en-US"/>
@@ -4845,9 +4921,7 @@
           <a:bodyPr anchor="ctr">
             <a:normAutofit/>
           </a:bodyPr>
-          <a:lstStyle>
-            <a:extLst/>
-          </a:lstStyle>
+          <a:lstStyle/>
           <a:p>
             <a:r>
               <a:rPr kumimoji="0" lang="fr-FR" smtClean="0"/>
@@ -4880,9 +4954,7 @@
           <a:bodyPr>
             <a:normAutofit/>
           </a:bodyPr>
-          <a:lstStyle>
-            <a:extLst/>
-          </a:lstStyle>
+          <a:lstStyle/>
           <a:p>
             <a:pPr lvl="0" eaLnBrk="1" latinLnBrk="0" hangingPunct="1"/>
             <a:r>
@@ -4958,7 +5030,7 @@
           <a:p>
             <a:fld id="{7BEE39CE-4C6E-4956-A680-319985C82E91}" type="datetimeFigureOut">
               <a:rPr lang="fr-FR" smtClean="0"/>
-              <a:t>24/07/2022</a:t>
+              <a:t>15/09/2022</a:t>
             </a:fld>
             <a:endParaRPr lang="fr-FR"/>
           </a:p>
@@ -5095,9 +5167,7 @@
         </p:style>
         <p:txBody>
           <a:bodyPr anchor="ctr"/>
-          <a:lstStyle>
-            <a:extLst/>
-          </a:lstStyle>
+          <a:lstStyle/>
           <a:p>
             <a:pPr algn="ctr" eaLnBrk="1" latinLnBrk="0" hangingPunct="1"/>
             <a:endParaRPr kumimoji="0" lang="en-US"/>
@@ -7667,7 +7737,7 @@
           <p:nvPr>
             <p:extLst>
               <p:ext uri="{D42A27DB-BD31-4B8C-83A1-F6EECF244321}">
-                <p14:modId xmlns:p14="http://schemas.microsoft.com/office/powerpoint/2010/main" val="1110650902"/>
+                <p14:modId xmlns:p14="http://schemas.microsoft.com/office/powerpoint/2010/main" val="2032326412"/>
               </p:ext>
             </p:extLst>
           </p:nvPr>
